--- a/Outline.pptx
+++ b/Outline.pptx
@@ -3166,7 +3166,41 @@
           <a:bodyPr/>
           <a:lstStyle/>
           <a:p>
-            <a:endParaRPr lang="en-US"/>
+            <a:r>
+              <a:rPr lang="en-US" dirty="0" smtClean="0"/>
+              <a:t>Attendance</a:t>
+            </a:r>
+          </a:p>
+          <a:p>
+            <a:r>
+              <a:rPr lang="en-US" dirty="0" smtClean="0"/>
+              <a:t>Files</a:t>
+            </a:r>
+          </a:p>
+          <a:p>
+            <a:r>
+              <a:rPr lang="en-US" dirty="0" smtClean="0"/>
+              <a:t>Flights</a:t>
+            </a:r>
+          </a:p>
+          <a:p>
+            <a:r>
+              <a:rPr lang="en-US" dirty="0" smtClean="0"/>
+              <a:t>GIS Serve</a:t>
+            </a:r>
+          </a:p>
+          <a:p>
+            <a:r>
+              <a:rPr lang="en-US" dirty="0" smtClean="0"/>
+              <a:t>Marked Villages</a:t>
+            </a:r>
+          </a:p>
+          <a:p>
+            <a:r>
+              <a:rPr lang="en-US" dirty="0" smtClean="0"/>
+              <a:t>Users</a:t>
+            </a:r>
+            <a:endParaRPr lang="en-US" dirty="0"/>
           </a:p>
         </p:txBody>
       </p:sp>

--- a/Outline.pptx
+++ b/Outline.pptx
@@ -7,7 +7,8 @@
   <p:sldIdLst>
     <p:sldId id="256" r:id="rId2"/>
     <p:sldId id="257" r:id="rId3"/>
-    <p:sldId id="258" r:id="rId4"/>
+    <p:sldId id="259" r:id="rId4"/>
+    <p:sldId id="258" r:id="rId5"/>
   </p:sldIdLst>
   <p:sldSz cx="9144000" cy="6858000" type="screen4x3"/>
   <p:notesSz cx="6858000" cy="9144000"/>
@@ -291,7 +292,7 @@
             <a:fld id="{1D8BD707-D9CF-40AE-B4C6-C98DA3205C09}" type="datetimeFigureOut">
               <a:rPr lang="en-US" smtClean="0"/>
               <a:pPr/>
-              <a:t>6/21/2021</a:t>
+              <a:t>7/9/2021</a:t>
             </a:fld>
             <a:endParaRPr lang="en-US"/>
           </a:p>
@@ -458,7 +459,7 @@
             <a:fld id="{1D8BD707-D9CF-40AE-B4C6-C98DA3205C09}" type="datetimeFigureOut">
               <a:rPr lang="en-US" smtClean="0"/>
               <a:pPr/>
-              <a:t>6/21/2021</a:t>
+              <a:t>7/9/2021</a:t>
             </a:fld>
             <a:endParaRPr lang="en-US"/>
           </a:p>
@@ -635,7 +636,7 @@
             <a:fld id="{1D8BD707-D9CF-40AE-B4C6-C98DA3205C09}" type="datetimeFigureOut">
               <a:rPr lang="en-US" smtClean="0"/>
               <a:pPr/>
-              <a:t>6/21/2021</a:t>
+              <a:t>7/9/2021</a:t>
             </a:fld>
             <a:endParaRPr lang="en-US"/>
           </a:p>
@@ -802,7 +803,7 @@
             <a:fld id="{1D8BD707-D9CF-40AE-B4C6-C98DA3205C09}" type="datetimeFigureOut">
               <a:rPr lang="en-US" smtClean="0"/>
               <a:pPr/>
-              <a:t>6/21/2021</a:t>
+              <a:t>7/9/2021</a:t>
             </a:fld>
             <a:endParaRPr lang="en-US"/>
           </a:p>
@@ -1045,7 +1046,7 @@
             <a:fld id="{1D8BD707-D9CF-40AE-B4C6-C98DA3205C09}" type="datetimeFigureOut">
               <a:rPr lang="en-US" smtClean="0"/>
               <a:pPr/>
-              <a:t>6/21/2021</a:t>
+              <a:t>7/9/2021</a:t>
             </a:fld>
             <a:endParaRPr lang="en-US"/>
           </a:p>
@@ -1330,7 +1331,7 @@
             <a:fld id="{1D8BD707-D9CF-40AE-B4C6-C98DA3205C09}" type="datetimeFigureOut">
               <a:rPr lang="en-US" smtClean="0"/>
               <a:pPr/>
-              <a:t>6/21/2021</a:t>
+              <a:t>7/9/2021</a:t>
             </a:fld>
             <a:endParaRPr lang="en-US"/>
           </a:p>
@@ -1749,7 +1750,7 @@
             <a:fld id="{1D8BD707-D9CF-40AE-B4C6-C98DA3205C09}" type="datetimeFigureOut">
               <a:rPr lang="en-US" smtClean="0"/>
               <a:pPr/>
-              <a:t>6/21/2021</a:t>
+              <a:t>7/9/2021</a:t>
             </a:fld>
             <a:endParaRPr lang="en-US"/>
           </a:p>
@@ -1864,7 +1865,7 @@
             <a:fld id="{1D8BD707-D9CF-40AE-B4C6-C98DA3205C09}" type="datetimeFigureOut">
               <a:rPr lang="en-US" smtClean="0"/>
               <a:pPr/>
-              <a:t>6/21/2021</a:t>
+              <a:t>7/9/2021</a:t>
             </a:fld>
             <a:endParaRPr lang="en-US"/>
           </a:p>
@@ -1956,7 +1957,7 @@
             <a:fld id="{1D8BD707-D9CF-40AE-B4C6-C98DA3205C09}" type="datetimeFigureOut">
               <a:rPr lang="en-US" smtClean="0"/>
               <a:pPr/>
-              <a:t>6/21/2021</a:t>
+              <a:t>7/9/2021</a:t>
             </a:fld>
             <a:endParaRPr lang="en-US"/>
           </a:p>
@@ -2230,7 +2231,7 @@
             <a:fld id="{1D8BD707-D9CF-40AE-B4C6-C98DA3205C09}" type="datetimeFigureOut">
               <a:rPr lang="en-US" smtClean="0"/>
               <a:pPr/>
-              <a:t>6/21/2021</a:t>
+              <a:t>7/9/2021</a:t>
             </a:fld>
             <a:endParaRPr lang="en-US"/>
           </a:p>
@@ -2480,7 +2481,7 @@
             <a:fld id="{1D8BD707-D9CF-40AE-B4C6-C98DA3205C09}" type="datetimeFigureOut">
               <a:rPr lang="en-US" smtClean="0"/>
               <a:pPr/>
-              <a:t>6/21/2021</a:t>
+              <a:t>7/9/2021</a:t>
             </a:fld>
             <a:endParaRPr lang="en-US"/>
           </a:p>
@@ -2690,7 +2691,7 @@
             <a:fld id="{1D8BD707-D9CF-40AE-B4C6-C98DA3205C09}" type="datetimeFigureOut">
               <a:rPr lang="en-US" smtClean="0"/>
               <a:pPr/>
-              <a:t>6/21/2021</a:t>
+              <a:t>7/9/2021</a:t>
             </a:fld>
             <a:endParaRPr lang="en-US"/>
           </a:p>
@@ -3145,7 +3146,7 @@
           <a:p>
             <a:r>
               <a:rPr lang="en-US" dirty="0" smtClean="0"/>
-              <a:t>Server Modules</a:t>
+              <a:t>Servers</a:t>
             </a:r>
             <a:endParaRPr lang="en-US" dirty="0"/>
           </a:p>
@@ -3167,38 +3168,51 @@
           <a:lstStyle/>
           <a:p>
             <a:r>
+              <a:rPr lang="en-US" dirty="0" err="1" smtClean="0"/>
+              <a:t>AbadiLimits</a:t>
+            </a:r>
+            <a:r>
               <a:rPr lang="en-US" dirty="0" smtClean="0"/>
-              <a:t>Attendance</a:t>
-            </a:r>
+              <a:t> Server</a:t>
+            </a:r>
+            <a:endParaRPr lang="en-US" dirty="0" smtClean="0"/>
           </a:p>
           <a:p>
             <a:r>
               <a:rPr lang="en-US" dirty="0" smtClean="0"/>
-              <a:t>Files</a:t>
-            </a:r>
+              <a:t>Attendance Server</a:t>
+            </a:r>
+            <a:endParaRPr lang="en-US" dirty="0" smtClean="0"/>
           </a:p>
           <a:p>
             <a:r>
               <a:rPr lang="en-US" dirty="0" smtClean="0"/>
-              <a:t>Flights</a:t>
-            </a:r>
+              <a:t>Files Server</a:t>
+            </a:r>
+            <a:endParaRPr lang="en-US" dirty="0" smtClean="0"/>
           </a:p>
           <a:p>
             <a:r>
               <a:rPr lang="en-US" dirty="0" smtClean="0"/>
-              <a:t>GIS Serve</a:t>
-            </a:r>
-          </a:p>
-          <a:p>
+              <a:t>Flights Server</a:t>
+            </a:r>
+            <a:endParaRPr lang="en-US" dirty="0" smtClean="0"/>
+          </a:p>
+          <a:p>
+            <a:r>
+              <a:rPr lang="en-US" dirty="0" err="1" smtClean="0"/>
+              <a:t>GeoJSON</a:t>
+            </a:r>
             <a:r>
               <a:rPr lang="en-US" dirty="0" smtClean="0"/>
-              <a:t>Marked Villages</a:t>
-            </a:r>
+              <a:t> Server</a:t>
+            </a:r>
+            <a:endParaRPr lang="en-US" dirty="0" smtClean="0"/>
           </a:p>
           <a:p>
             <a:r>
               <a:rPr lang="en-US" dirty="0" smtClean="0"/>
-              <a:t>Users</a:t>
+              <a:t>Users / Drones Server</a:t>
             </a:r>
             <a:endParaRPr lang="en-US" dirty="0"/>
           </a:p>
@@ -3213,6 +3227,153 @@
 </file>
 
 <file path=ppt/slides/slide3.xml><?xml version="1.0" encoding="utf-8"?>
+<p:sld xmlns:a="http://schemas.openxmlformats.org/drawingml/2006/main" xmlns:r="http://schemas.openxmlformats.org/officeDocument/2006/relationships" xmlns:p="http://schemas.openxmlformats.org/presentationml/2006/main">
+  <p:cSld>
+    <p:spTree>
+      <p:nvGrpSpPr>
+        <p:cNvPr id="1" name=""/>
+        <p:cNvGrpSpPr/>
+        <p:nvPr/>
+      </p:nvGrpSpPr>
+      <p:grpSpPr>
+        <a:xfrm>
+          <a:off x="0" y="0"/>
+          <a:ext cx="0" cy="0"/>
+          <a:chOff x="0" y="0"/>
+          <a:chExt cx="0" cy="0"/>
+        </a:xfrm>
+      </p:grpSpPr>
+      <p:sp>
+        <p:nvSpPr>
+          <p:cNvPr id="2" name="Title 1"/>
+          <p:cNvSpPr>
+            <a:spLocks noGrp="1"/>
+          </p:cNvSpPr>
+          <p:nvPr>
+            <p:ph type="title"/>
+          </p:nvPr>
+        </p:nvSpPr>
+        <p:spPr/>
+        <p:txBody>
+          <a:bodyPr/>
+          <a:lstStyle/>
+          <a:p>
+            <a:r>
+              <a:rPr lang="en-US" dirty="0" smtClean="0"/>
+              <a:t>Databases</a:t>
+            </a:r>
+            <a:endParaRPr lang="en-US" dirty="0"/>
+          </a:p>
+        </p:txBody>
+      </p:sp>
+      <p:sp>
+        <p:nvSpPr>
+          <p:cNvPr id="3" name="Content Placeholder 2"/>
+          <p:cNvSpPr>
+            <a:spLocks noGrp="1"/>
+          </p:cNvSpPr>
+          <p:nvPr>
+            <p:ph idx="1"/>
+          </p:nvPr>
+        </p:nvSpPr>
+        <p:spPr/>
+        <p:txBody>
+          <a:bodyPr>
+            <a:normAutofit fontScale="77500" lnSpcReduction="20000"/>
+          </a:bodyPr>
+          <a:lstStyle/>
+          <a:p>
+            <a:pPr>
+              <a:buNone/>
+            </a:pPr>
+            <a:r>
+              <a:rPr lang="en-US" dirty="0" smtClean="0"/>
+              <a:t>Interactive DBs:</a:t>
+            </a:r>
+          </a:p>
+          <a:p>
+            <a:r>
+              <a:rPr lang="en-US" dirty="0" err="1" smtClean="0"/>
+              <a:t>Abadi</a:t>
+            </a:r>
+            <a:r>
+              <a:rPr lang="en-US" dirty="0" smtClean="0"/>
+              <a:t> Limits</a:t>
+            </a:r>
+          </a:p>
+          <a:p>
+            <a:r>
+              <a:rPr lang="en-US" dirty="0" smtClean="0"/>
+              <a:t>Attendance Register</a:t>
+            </a:r>
+          </a:p>
+          <a:p>
+            <a:r>
+              <a:rPr lang="en-US" dirty="0" smtClean="0"/>
+              <a:t>Drones</a:t>
+            </a:r>
+          </a:p>
+          <a:p>
+            <a:r>
+              <a:rPr lang="en-US" dirty="0" smtClean="0"/>
+              <a:t>Files Attachment</a:t>
+            </a:r>
+          </a:p>
+          <a:p>
+            <a:r>
+              <a:rPr lang="en-US" dirty="0" smtClean="0"/>
+              <a:t>Flights</a:t>
+            </a:r>
+          </a:p>
+          <a:p>
+            <a:r>
+              <a:rPr lang="en-US" dirty="0" smtClean="0"/>
+              <a:t>Users Table</a:t>
+            </a:r>
+          </a:p>
+          <a:p>
+            <a:pPr>
+              <a:buNone/>
+            </a:pPr>
+            <a:endParaRPr lang="en-US" dirty="0" smtClean="0"/>
+          </a:p>
+          <a:p>
+            <a:pPr>
+              <a:buNone/>
+            </a:pPr>
+            <a:r>
+              <a:rPr lang="en-US" dirty="0" smtClean="0"/>
+              <a:t>Serve DBs:</a:t>
+            </a:r>
+          </a:p>
+          <a:p>
+            <a:r>
+              <a:rPr lang="en-US" dirty="0" smtClean="0"/>
+              <a:t>District Boundaries</a:t>
+            </a:r>
+          </a:p>
+          <a:p>
+            <a:r>
+              <a:rPr lang="en-US" dirty="0" err="1" smtClean="0"/>
+              <a:t>Karn</a:t>
+            </a:r>
+            <a:r>
+              <a:rPr lang="en-US" dirty="0" smtClean="0"/>
+              <a:t> Villages</a:t>
+            </a:r>
+            <a:endParaRPr lang="en-US" dirty="0"/>
+          </a:p>
+        </p:txBody>
+      </p:sp>
+    </p:spTree>
+  </p:cSld>
+  <p:clrMapOvr>
+    <a:masterClrMapping/>
+  </p:clrMapOvr>
+</p:sld>
+</file>
+
+<file path=ppt/slides/slide4.xml><?xml version="1.0" encoding="utf-8"?>
 <p:sld xmlns:a="http://schemas.openxmlformats.org/drawingml/2006/main" xmlns:r="http://schemas.openxmlformats.org/officeDocument/2006/relationships" xmlns:p="http://schemas.openxmlformats.org/presentationml/2006/main">
   <p:cSld>
     <p:spTree>

--- a/Outline.pptx
+++ b/Outline.pptx
@@ -9,6 +9,7 @@
     <p:sldId id="257" r:id="rId3"/>
     <p:sldId id="259" r:id="rId4"/>
     <p:sldId id="258" r:id="rId5"/>
+    <p:sldId id="260" r:id="rId6"/>
   </p:sldIdLst>
   <p:sldSz cx="9144000" cy="6858000" type="screen4x3"/>
   <p:notesSz cx="6858000" cy="9144000"/>
@@ -3168,46 +3169,37 @@
           <a:lstStyle/>
           <a:p>
             <a:r>
-              <a:rPr lang="en-US" dirty="0" err="1" smtClean="0"/>
-              <a:t>AbadiLimits</a:t>
-            </a:r>
-            <a:r>
               <a:rPr lang="en-US" dirty="0" smtClean="0"/>
-              <a:t> Server</a:t>
-            </a:r>
-            <a:endParaRPr lang="en-US" dirty="0" smtClean="0"/>
+              <a:t>Abadi Limits </a:t>
+            </a:r>
+            <a:r>
+              <a:rPr lang="en-US" dirty="0" smtClean="0"/>
+              <a:t>Server</a:t>
+            </a:r>
           </a:p>
           <a:p>
             <a:r>
               <a:rPr lang="en-US" dirty="0" smtClean="0"/>
               <a:t>Attendance Server</a:t>
             </a:r>
-            <a:endParaRPr lang="en-US" dirty="0" smtClean="0"/>
           </a:p>
           <a:p>
             <a:r>
               <a:rPr lang="en-US" dirty="0" smtClean="0"/>
               <a:t>Files Server</a:t>
             </a:r>
-            <a:endParaRPr lang="en-US" dirty="0" smtClean="0"/>
           </a:p>
           <a:p>
             <a:r>
               <a:rPr lang="en-US" dirty="0" smtClean="0"/>
               <a:t>Flights Server</a:t>
             </a:r>
-            <a:endParaRPr lang="en-US" dirty="0" smtClean="0"/>
-          </a:p>
-          <a:p>
-            <a:r>
-              <a:rPr lang="en-US" dirty="0" err="1" smtClean="0"/>
-              <a:t>GeoJSON</a:t>
-            </a:r>
+          </a:p>
+          <a:p>
             <a:r>
               <a:rPr lang="en-US" dirty="0" smtClean="0"/>
-              <a:t> Server</a:t>
-            </a:r>
-            <a:endParaRPr lang="en-US" dirty="0" smtClean="0"/>
+              <a:t>GeoJSON Server</a:t>
+            </a:r>
           </a:p>
           <a:p>
             <a:r>
@@ -3293,12 +3285,8 @@
           </a:p>
           <a:p>
             <a:r>
-              <a:rPr lang="en-US" dirty="0" err="1" smtClean="0"/>
-              <a:t>Abadi</a:t>
-            </a:r>
-            <a:r>
               <a:rPr lang="en-US" dirty="0" smtClean="0"/>
-              <a:t> Limits</a:t>
+              <a:t>Abadi Limits</a:t>
             </a:r>
           </a:p>
           <a:p>
@@ -3430,14 +3418,28 @@
           <a:p>
             <a:r>
               <a:rPr lang="en-US" dirty="0" smtClean="0"/>
-              <a:t>KGDC Villages Uploader</a:t>
-            </a:r>
-          </a:p>
-          <a:p>
+              <a:t>KGDC Villages </a:t>
+            </a:r>
             <a:r>
               <a:rPr lang="en-US" dirty="0" smtClean="0"/>
-              <a:t>KGDC Flights Manager</a:t>
-            </a:r>
+              <a:t>Uploader	- Web App</a:t>
+            </a:r>
+            <a:endParaRPr lang="en-US" dirty="0" smtClean="0"/>
+          </a:p>
+          <a:p>
+            <a:r>
+              <a:rPr lang="en-US" dirty="0" smtClean="0"/>
+              <a:t>KGDC Flights </a:t>
+            </a:r>
+            <a:r>
+              <a:rPr lang="en-US" dirty="0" smtClean="0"/>
+              <a:t>Manager	- Web </a:t>
+            </a:r>
+            <a:r>
+              <a:rPr lang="en-US" dirty="0" smtClean="0"/>
+              <a:t>App</a:t>
+            </a:r>
+            <a:endParaRPr lang="en-US" dirty="0" smtClean="0"/>
           </a:p>
           <a:p>
             <a:r>
@@ -3448,12 +3450,1428 @@
           <a:p>
             <a:r>
               <a:rPr lang="en-US" dirty="0" smtClean="0"/>
-              <a:t>KGDC Users Manager</a:t>
-            </a:r>
+              <a:t>KGDC Users </a:t>
+            </a:r>
+            <a:r>
+              <a:rPr lang="en-US" dirty="0" smtClean="0"/>
+              <a:t>Manager	- Web App</a:t>
+            </a:r>
+          </a:p>
+          <a:p>
             <a:endParaRPr lang="en-US" dirty="0"/>
           </a:p>
         </p:txBody>
       </p:sp>
+    </p:spTree>
+  </p:cSld>
+  <p:clrMapOvr>
+    <a:masterClrMapping/>
+  </p:clrMapOvr>
+</p:sld>
+</file>
+
+<file path=ppt/slides/slide5.xml><?xml version="1.0" encoding="utf-8"?>
+<p:sld xmlns:a="http://schemas.openxmlformats.org/drawingml/2006/main" xmlns:r="http://schemas.openxmlformats.org/officeDocument/2006/relationships" xmlns:p="http://schemas.openxmlformats.org/presentationml/2006/main">
+  <p:cSld>
+    <p:spTree>
+      <p:nvGrpSpPr>
+        <p:cNvPr id="1" name=""/>
+        <p:cNvGrpSpPr/>
+        <p:nvPr/>
+      </p:nvGrpSpPr>
+      <p:grpSpPr>
+        <a:xfrm>
+          <a:off x="0" y="0"/>
+          <a:ext cx="0" cy="0"/>
+          <a:chOff x="0" y="0"/>
+          <a:chExt cx="0" cy="0"/>
+        </a:xfrm>
+      </p:grpSpPr>
+      <p:sp>
+        <p:nvSpPr>
+          <p:cNvPr id="2" name="Title 1"/>
+          <p:cNvSpPr>
+            <a:spLocks noGrp="1"/>
+          </p:cNvSpPr>
+          <p:nvPr>
+            <p:ph type="title"/>
+          </p:nvPr>
+        </p:nvSpPr>
+        <p:spPr/>
+        <p:txBody>
+          <a:bodyPr/>
+          <a:lstStyle/>
+          <a:p>
+            <a:r>
+              <a:rPr lang="en-US" dirty="0" smtClean="0"/>
+              <a:t>Server Interaction</a:t>
+            </a:r>
+            <a:endParaRPr lang="en-US" dirty="0"/>
+          </a:p>
+        </p:txBody>
+      </p:sp>
+      <p:sp>
+        <p:nvSpPr>
+          <p:cNvPr id="4" name="Content Placeholder 2"/>
+          <p:cNvSpPr>
+            <a:spLocks noGrp="1"/>
+          </p:cNvSpPr>
+          <p:nvPr>
+            <p:ph idx="1"/>
+          </p:nvPr>
+        </p:nvSpPr>
+        <p:spPr>
+          <a:xfrm>
+            <a:off x="2971800" y="2743200"/>
+            <a:ext cx="2819400" cy="1828800"/>
+          </a:xfrm>
+        </p:spPr>
+        <p:txBody>
+          <a:bodyPr>
+            <a:normAutofit fontScale="55000" lnSpcReduction="20000"/>
+          </a:bodyPr>
+          <a:lstStyle/>
+          <a:p>
+            <a:r>
+              <a:rPr lang="en-US" dirty="0" smtClean="0"/>
+              <a:t>Abadi Limits </a:t>
+            </a:r>
+            <a:r>
+              <a:rPr lang="en-US" dirty="0" smtClean="0"/>
+              <a:t>Server</a:t>
+            </a:r>
+          </a:p>
+          <a:p>
+            <a:r>
+              <a:rPr lang="en-US" dirty="0" smtClean="0"/>
+              <a:t>Attendance Server</a:t>
+            </a:r>
+          </a:p>
+          <a:p>
+            <a:r>
+              <a:rPr lang="en-US" dirty="0" smtClean="0"/>
+              <a:t>Files Server</a:t>
+            </a:r>
+          </a:p>
+          <a:p>
+            <a:r>
+              <a:rPr lang="en-US" dirty="0" smtClean="0"/>
+              <a:t>Flights Server</a:t>
+            </a:r>
+          </a:p>
+          <a:p>
+            <a:r>
+              <a:rPr lang="en-US" dirty="0" smtClean="0"/>
+              <a:t>GeoJSON Server</a:t>
+            </a:r>
+          </a:p>
+          <a:p>
+            <a:r>
+              <a:rPr lang="en-US" dirty="0" smtClean="0"/>
+              <a:t>Users / Drones Server</a:t>
+            </a:r>
+            <a:endParaRPr lang="en-US" dirty="0"/>
+          </a:p>
+        </p:txBody>
+      </p:sp>
+      <p:sp>
+        <p:nvSpPr>
+          <p:cNvPr id="5" name="Content Placeholder 2"/>
+          <p:cNvSpPr txBox="1">
+            <a:spLocks/>
+          </p:cNvSpPr>
+          <p:nvPr/>
+        </p:nvSpPr>
+        <p:spPr>
+          <a:xfrm>
+            <a:off x="6172200" y="2743200"/>
+            <a:ext cx="2667000" cy="1706563"/>
+          </a:xfrm>
+          <a:prstGeom prst="rect">
+            <a:avLst/>
+          </a:prstGeom>
+        </p:spPr>
+        <p:txBody>
+          <a:bodyPr vert="horz" lIns="91440" tIns="45720" rIns="91440" bIns="45720" rtlCol="0">
+            <a:normAutofit fontScale="47500" lnSpcReduction="20000"/>
+          </a:bodyPr>
+          <a:lstStyle/>
+          <a:p>
+            <a:pPr marL="342900" marR="0" lvl="0" indent="-342900" algn="l" defTabSz="914400" rtl="0" eaLnBrk="1" fontAlgn="auto" latinLnBrk="0" hangingPunct="1">
+              <a:lnSpc>
+                <a:spcPct val="100000"/>
+              </a:lnSpc>
+              <a:spcBef>
+                <a:spcPct val="20000"/>
+              </a:spcBef>
+              <a:spcAft>
+                <a:spcPts val="0"/>
+              </a:spcAft>
+              <a:buClrTx/>
+              <a:buSzTx/>
+              <a:buFont typeface="Arial" pitchFamily="34" charset="0"/>
+              <a:buChar char="•"/>
+              <a:tabLst/>
+              <a:defRPr/>
+            </a:pPr>
+            <a:r>
+              <a:rPr kumimoji="0" lang="en-US" sz="3200" b="0" i="0" u="none" strike="noStrike" kern="1200" cap="none" spc="0" normalizeH="0" baseline="0" noProof="0" dirty="0" smtClean="0">
+                <a:ln>
+                  <a:noFill/>
+                </a:ln>
+                <a:solidFill>
+                  <a:schemeClr val="tx1"/>
+                </a:solidFill>
+                <a:effectLst/>
+                <a:uLnTx/>
+                <a:uFillTx/>
+                <a:latin typeface="+mn-lt"/>
+                <a:ea typeface="+mn-ea"/>
+                <a:cs typeface="+mn-cs"/>
+              </a:rPr>
+              <a:t>KGDC Villages Uploader	- Web App</a:t>
+            </a:r>
+          </a:p>
+          <a:p>
+            <a:pPr marL="342900" marR="0" lvl="0" indent="-342900" algn="l" defTabSz="914400" rtl="0" eaLnBrk="1" fontAlgn="auto" latinLnBrk="0" hangingPunct="1">
+              <a:lnSpc>
+                <a:spcPct val="100000"/>
+              </a:lnSpc>
+              <a:spcBef>
+                <a:spcPct val="20000"/>
+              </a:spcBef>
+              <a:spcAft>
+                <a:spcPts val="0"/>
+              </a:spcAft>
+              <a:buClrTx/>
+              <a:buSzTx/>
+              <a:buFont typeface="Arial" pitchFamily="34" charset="0"/>
+              <a:buChar char="•"/>
+              <a:tabLst/>
+              <a:defRPr/>
+            </a:pPr>
+            <a:r>
+              <a:rPr kumimoji="0" lang="en-US" sz="3200" b="0" i="0" u="none" strike="noStrike" kern="1200" cap="none" spc="0" normalizeH="0" baseline="0" noProof="0" dirty="0" smtClean="0">
+                <a:ln>
+                  <a:noFill/>
+                </a:ln>
+                <a:solidFill>
+                  <a:schemeClr val="tx1"/>
+                </a:solidFill>
+                <a:effectLst/>
+                <a:uLnTx/>
+                <a:uFillTx/>
+                <a:latin typeface="+mn-lt"/>
+                <a:ea typeface="+mn-ea"/>
+                <a:cs typeface="+mn-cs"/>
+              </a:rPr>
+              <a:t>KGDC Flights Manager	- Web App</a:t>
+            </a:r>
+          </a:p>
+          <a:p>
+            <a:pPr marL="342900" marR="0" lvl="0" indent="-342900" algn="l" defTabSz="914400" rtl="0" eaLnBrk="1" fontAlgn="auto" latinLnBrk="0" hangingPunct="1">
+              <a:lnSpc>
+                <a:spcPct val="100000"/>
+              </a:lnSpc>
+              <a:spcBef>
+                <a:spcPct val="20000"/>
+              </a:spcBef>
+              <a:spcAft>
+                <a:spcPts val="0"/>
+              </a:spcAft>
+              <a:buClrTx/>
+              <a:buSzTx/>
+              <a:buFont typeface="Arial" pitchFamily="34" charset="0"/>
+              <a:buChar char="•"/>
+              <a:tabLst/>
+              <a:defRPr/>
+            </a:pPr>
+            <a:r>
+              <a:rPr kumimoji="0" lang="en-US" sz="3200" b="0" i="0" u="none" strike="noStrike" kern="1200" cap="none" spc="0" normalizeH="0" baseline="0" noProof="0" dirty="0" smtClean="0">
+                <a:ln>
+                  <a:noFill/>
+                </a:ln>
+                <a:solidFill>
+                  <a:schemeClr val="tx1"/>
+                </a:solidFill>
+                <a:effectLst/>
+                <a:uLnTx/>
+                <a:uFillTx/>
+                <a:latin typeface="+mn-lt"/>
+                <a:ea typeface="+mn-ea"/>
+                <a:cs typeface="+mn-cs"/>
+              </a:rPr>
+              <a:t>KGDC Field Attendance – Android App</a:t>
+            </a:r>
+          </a:p>
+          <a:p>
+            <a:pPr marL="342900" marR="0" lvl="0" indent="-342900" algn="l" defTabSz="914400" rtl="0" eaLnBrk="1" fontAlgn="auto" latinLnBrk="0" hangingPunct="1">
+              <a:lnSpc>
+                <a:spcPct val="100000"/>
+              </a:lnSpc>
+              <a:spcBef>
+                <a:spcPct val="20000"/>
+              </a:spcBef>
+              <a:spcAft>
+                <a:spcPts val="0"/>
+              </a:spcAft>
+              <a:buClrTx/>
+              <a:buSzTx/>
+              <a:buFont typeface="Arial" pitchFamily="34" charset="0"/>
+              <a:buChar char="•"/>
+              <a:tabLst/>
+              <a:defRPr/>
+            </a:pPr>
+            <a:r>
+              <a:rPr kumimoji="0" lang="en-US" sz="3200" b="0" i="0" u="none" strike="noStrike" kern="1200" cap="none" spc="0" normalizeH="0" baseline="0" noProof="0" dirty="0" smtClean="0">
+                <a:ln>
+                  <a:noFill/>
+                </a:ln>
+                <a:solidFill>
+                  <a:schemeClr val="tx1"/>
+                </a:solidFill>
+                <a:effectLst/>
+                <a:uLnTx/>
+                <a:uFillTx/>
+                <a:latin typeface="+mn-lt"/>
+                <a:ea typeface="+mn-ea"/>
+                <a:cs typeface="+mn-cs"/>
+              </a:rPr>
+              <a:t>KGDC Users Manager	- Web App</a:t>
+            </a:r>
+          </a:p>
+          <a:p>
+            <a:pPr marL="342900" marR="0" lvl="0" indent="-342900" algn="l" defTabSz="914400" rtl="0" eaLnBrk="1" fontAlgn="auto" latinLnBrk="0" hangingPunct="1">
+              <a:lnSpc>
+                <a:spcPct val="100000"/>
+              </a:lnSpc>
+              <a:spcBef>
+                <a:spcPct val="20000"/>
+              </a:spcBef>
+              <a:spcAft>
+                <a:spcPts val="0"/>
+              </a:spcAft>
+              <a:buClrTx/>
+              <a:buSzTx/>
+              <a:buFont typeface="Arial" pitchFamily="34" charset="0"/>
+              <a:buChar char="•"/>
+              <a:tabLst/>
+              <a:defRPr/>
+            </a:pPr>
+            <a:endParaRPr kumimoji="0" lang="en-US" sz="3200" b="0" i="0" u="none" strike="noStrike" kern="1200" cap="none" spc="0" normalizeH="0" baseline="0" noProof="0" dirty="0">
+              <a:ln>
+                <a:noFill/>
+              </a:ln>
+              <a:solidFill>
+                <a:schemeClr val="tx1"/>
+              </a:solidFill>
+              <a:effectLst/>
+              <a:uLnTx/>
+              <a:uFillTx/>
+              <a:latin typeface="+mn-lt"/>
+              <a:ea typeface="+mn-ea"/>
+              <a:cs typeface="+mn-cs"/>
+            </a:endParaRPr>
+          </a:p>
+        </p:txBody>
+      </p:sp>
+      <p:sp>
+        <p:nvSpPr>
+          <p:cNvPr id="6" name="Content Placeholder 2"/>
+          <p:cNvSpPr txBox="1">
+            <a:spLocks/>
+          </p:cNvSpPr>
+          <p:nvPr/>
+        </p:nvSpPr>
+        <p:spPr>
+          <a:xfrm>
+            <a:off x="457200" y="2514600"/>
+            <a:ext cx="2286000" cy="2362200"/>
+          </a:xfrm>
+          <a:prstGeom prst="rect">
+            <a:avLst/>
+          </a:prstGeom>
+        </p:spPr>
+        <p:txBody>
+          <a:bodyPr vert="horz" lIns="91440" tIns="45720" rIns="91440" bIns="45720" rtlCol="0">
+            <a:normAutofit fontScale="40000" lnSpcReduction="20000"/>
+          </a:bodyPr>
+          <a:lstStyle/>
+          <a:p>
+            <a:pPr marL="342900" marR="0" lvl="0" indent="-342900" algn="l" defTabSz="914400" rtl="0" eaLnBrk="1" fontAlgn="auto" latinLnBrk="0" hangingPunct="1">
+              <a:lnSpc>
+                <a:spcPct val="100000"/>
+              </a:lnSpc>
+              <a:spcBef>
+                <a:spcPct val="20000"/>
+              </a:spcBef>
+              <a:spcAft>
+                <a:spcPts val="0"/>
+              </a:spcAft>
+              <a:buClrTx/>
+              <a:buSzTx/>
+              <a:buFont typeface="Arial" pitchFamily="34" charset="0"/>
+              <a:buNone/>
+              <a:tabLst/>
+              <a:defRPr/>
+            </a:pPr>
+            <a:r>
+              <a:rPr kumimoji="0" lang="en-US" sz="3200" b="0" i="0" u="none" strike="noStrike" kern="1200" cap="none" spc="0" normalizeH="0" baseline="0" noProof="0" smtClean="0">
+                <a:ln>
+                  <a:noFill/>
+                </a:ln>
+                <a:solidFill>
+                  <a:schemeClr val="tx1"/>
+                </a:solidFill>
+                <a:effectLst/>
+                <a:uLnTx/>
+                <a:uFillTx/>
+                <a:latin typeface="+mn-lt"/>
+                <a:ea typeface="+mn-ea"/>
+                <a:cs typeface="+mn-cs"/>
+              </a:rPr>
+              <a:t>Interactive DBs:</a:t>
+            </a:r>
+          </a:p>
+          <a:p>
+            <a:pPr marL="342900" marR="0" lvl="0" indent="-342900" algn="l" defTabSz="914400" rtl="0" eaLnBrk="1" fontAlgn="auto" latinLnBrk="0" hangingPunct="1">
+              <a:lnSpc>
+                <a:spcPct val="100000"/>
+              </a:lnSpc>
+              <a:spcBef>
+                <a:spcPct val="20000"/>
+              </a:spcBef>
+              <a:spcAft>
+                <a:spcPts val="0"/>
+              </a:spcAft>
+              <a:buClrTx/>
+              <a:buSzTx/>
+              <a:buFont typeface="Arial" pitchFamily="34" charset="0"/>
+              <a:buChar char="•"/>
+              <a:tabLst/>
+              <a:defRPr/>
+            </a:pPr>
+            <a:r>
+              <a:rPr kumimoji="0" lang="en-US" sz="3200" b="0" i="0" u="none" strike="noStrike" kern="1200" cap="none" spc="0" normalizeH="0" baseline="0" noProof="0" smtClean="0">
+                <a:ln>
+                  <a:noFill/>
+                </a:ln>
+                <a:solidFill>
+                  <a:schemeClr val="tx1"/>
+                </a:solidFill>
+                <a:effectLst/>
+                <a:uLnTx/>
+                <a:uFillTx/>
+                <a:latin typeface="+mn-lt"/>
+                <a:ea typeface="+mn-ea"/>
+                <a:cs typeface="+mn-cs"/>
+              </a:rPr>
+              <a:t>Abadi Limits</a:t>
+            </a:r>
+          </a:p>
+          <a:p>
+            <a:pPr marL="342900" marR="0" lvl="0" indent="-342900" algn="l" defTabSz="914400" rtl="0" eaLnBrk="1" fontAlgn="auto" latinLnBrk="0" hangingPunct="1">
+              <a:lnSpc>
+                <a:spcPct val="100000"/>
+              </a:lnSpc>
+              <a:spcBef>
+                <a:spcPct val="20000"/>
+              </a:spcBef>
+              <a:spcAft>
+                <a:spcPts val="0"/>
+              </a:spcAft>
+              <a:buClrTx/>
+              <a:buSzTx/>
+              <a:buFont typeface="Arial" pitchFamily="34" charset="0"/>
+              <a:buChar char="•"/>
+              <a:tabLst/>
+              <a:defRPr/>
+            </a:pPr>
+            <a:r>
+              <a:rPr kumimoji="0" lang="en-US" sz="3200" b="0" i="0" u="none" strike="noStrike" kern="1200" cap="none" spc="0" normalizeH="0" baseline="0" noProof="0" smtClean="0">
+                <a:ln>
+                  <a:noFill/>
+                </a:ln>
+                <a:solidFill>
+                  <a:schemeClr val="tx1"/>
+                </a:solidFill>
+                <a:effectLst/>
+                <a:uLnTx/>
+                <a:uFillTx/>
+                <a:latin typeface="+mn-lt"/>
+                <a:ea typeface="+mn-ea"/>
+                <a:cs typeface="+mn-cs"/>
+              </a:rPr>
+              <a:t>Attendance Register</a:t>
+            </a:r>
+          </a:p>
+          <a:p>
+            <a:pPr marL="342900" marR="0" lvl="0" indent="-342900" algn="l" defTabSz="914400" rtl="0" eaLnBrk="1" fontAlgn="auto" latinLnBrk="0" hangingPunct="1">
+              <a:lnSpc>
+                <a:spcPct val="100000"/>
+              </a:lnSpc>
+              <a:spcBef>
+                <a:spcPct val="20000"/>
+              </a:spcBef>
+              <a:spcAft>
+                <a:spcPts val="0"/>
+              </a:spcAft>
+              <a:buClrTx/>
+              <a:buSzTx/>
+              <a:buFont typeface="Arial" pitchFamily="34" charset="0"/>
+              <a:buChar char="•"/>
+              <a:tabLst/>
+              <a:defRPr/>
+            </a:pPr>
+            <a:r>
+              <a:rPr kumimoji="0" lang="en-US" sz="3200" b="0" i="0" u="none" strike="noStrike" kern="1200" cap="none" spc="0" normalizeH="0" baseline="0" noProof="0" smtClean="0">
+                <a:ln>
+                  <a:noFill/>
+                </a:ln>
+                <a:solidFill>
+                  <a:schemeClr val="tx1"/>
+                </a:solidFill>
+                <a:effectLst/>
+                <a:uLnTx/>
+                <a:uFillTx/>
+                <a:latin typeface="+mn-lt"/>
+                <a:ea typeface="+mn-ea"/>
+                <a:cs typeface="+mn-cs"/>
+              </a:rPr>
+              <a:t>Drones</a:t>
+            </a:r>
+          </a:p>
+          <a:p>
+            <a:pPr marL="342900" marR="0" lvl="0" indent="-342900" algn="l" defTabSz="914400" rtl="0" eaLnBrk="1" fontAlgn="auto" latinLnBrk="0" hangingPunct="1">
+              <a:lnSpc>
+                <a:spcPct val="100000"/>
+              </a:lnSpc>
+              <a:spcBef>
+                <a:spcPct val="20000"/>
+              </a:spcBef>
+              <a:spcAft>
+                <a:spcPts val="0"/>
+              </a:spcAft>
+              <a:buClrTx/>
+              <a:buSzTx/>
+              <a:buFont typeface="Arial" pitchFamily="34" charset="0"/>
+              <a:buChar char="•"/>
+              <a:tabLst/>
+              <a:defRPr/>
+            </a:pPr>
+            <a:r>
+              <a:rPr kumimoji="0" lang="en-US" sz="3200" b="0" i="0" u="none" strike="noStrike" kern="1200" cap="none" spc="0" normalizeH="0" baseline="0" noProof="0" smtClean="0">
+                <a:ln>
+                  <a:noFill/>
+                </a:ln>
+                <a:solidFill>
+                  <a:schemeClr val="tx1"/>
+                </a:solidFill>
+                <a:effectLst/>
+                <a:uLnTx/>
+                <a:uFillTx/>
+                <a:latin typeface="+mn-lt"/>
+                <a:ea typeface="+mn-ea"/>
+                <a:cs typeface="+mn-cs"/>
+              </a:rPr>
+              <a:t>Files Attachment</a:t>
+            </a:r>
+          </a:p>
+          <a:p>
+            <a:pPr marL="342900" marR="0" lvl="0" indent="-342900" algn="l" defTabSz="914400" rtl="0" eaLnBrk="1" fontAlgn="auto" latinLnBrk="0" hangingPunct="1">
+              <a:lnSpc>
+                <a:spcPct val="100000"/>
+              </a:lnSpc>
+              <a:spcBef>
+                <a:spcPct val="20000"/>
+              </a:spcBef>
+              <a:spcAft>
+                <a:spcPts val="0"/>
+              </a:spcAft>
+              <a:buClrTx/>
+              <a:buSzTx/>
+              <a:buFont typeface="Arial" pitchFamily="34" charset="0"/>
+              <a:buChar char="•"/>
+              <a:tabLst/>
+              <a:defRPr/>
+            </a:pPr>
+            <a:r>
+              <a:rPr kumimoji="0" lang="en-US" sz="3200" b="0" i="0" u="none" strike="noStrike" kern="1200" cap="none" spc="0" normalizeH="0" baseline="0" noProof="0" smtClean="0">
+                <a:ln>
+                  <a:noFill/>
+                </a:ln>
+                <a:solidFill>
+                  <a:schemeClr val="tx1"/>
+                </a:solidFill>
+                <a:effectLst/>
+                <a:uLnTx/>
+                <a:uFillTx/>
+                <a:latin typeface="+mn-lt"/>
+                <a:ea typeface="+mn-ea"/>
+                <a:cs typeface="+mn-cs"/>
+              </a:rPr>
+              <a:t>Flights</a:t>
+            </a:r>
+          </a:p>
+          <a:p>
+            <a:pPr marL="342900" marR="0" lvl="0" indent="-342900" algn="l" defTabSz="914400" rtl="0" eaLnBrk="1" fontAlgn="auto" latinLnBrk="0" hangingPunct="1">
+              <a:lnSpc>
+                <a:spcPct val="100000"/>
+              </a:lnSpc>
+              <a:spcBef>
+                <a:spcPct val="20000"/>
+              </a:spcBef>
+              <a:spcAft>
+                <a:spcPts val="0"/>
+              </a:spcAft>
+              <a:buClrTx/>
+              <a:buSzTx/>
+              <a:buFont typeface="Arial" pitchFamily="34" charset="0"/>
+              <a:buChar char="•"/>
+              <a:tabLst/>
+              <a:defRPr/>
+            </a:pPr>
+            <a:r>
+              <a:rPr kumimoji="0" lang="en-US" sz="3200" b="0" i="0" u="none" strike="noStrike" kern="1200" cap="none" spc="0" normalizeH="0" baseline="0" noProof="0" smtClean="0">
+                <a:ln>
+                  <a:noFill/>
+                </a:ln>
+                <a:solidFill>
+                  <a:schemeClr val="tx1"/>
+                </a:solidFill>
+                <a:effectLst/>
+                <a:uLnTx/>
+                <a:uFillTx/>
+                <a:latin typeface="+mn-lt"/>
+                <a:ea typeface="+mn-ea"/>
+                <a:cs typeface="+mn-cs"/>
+              </a:rPr>
+              <a:t>Users Table</a:t>
+            </a:r>
+          </a:p>
+          <a:p>
+            <a:pPr marL="342900" marR="0" lvl="0" indent="-342900" algn="l" defTabSz="914400" rtl="0" eaLnBrk="1" fontAlgn="auto" latinLnBrk="0" hangingPunct="1">
+              <a:lnSpc>
+                <a:spcPct val="100000"/>
+              </a:lnSpc>
+              <a:spcBef>
+                <a:spcPct val="20000"/>
+              </a:spcBef>
+              <a:spcAft>
+                <a:spcPts val="0"/>
+              </a:spcAft>
+              <a:buClrTx/>
+              <a:buSzTx/>
+              <a:buFont typeface="Arial" pitchFamily="34" charset="0"/>
+              <a:buNone/>
+              <a:tabLst/>
+              <a:defRPr/>
+            </a:pPr>
+            <a:endParaRPr kumimoji="0" lang="en-US" sz="3200" b="0" i="0" u="none" strike="noStrike" kern="1200" cap="none" spc="0" normalizeH="0" baseline="0" noProof="0" smtClean="0">
+              <a:ln>
+                <a:noFill/>
+              </a:ln>
+              <a:solidFill>
+                <a:schemeClr val="tx1"/>
+              </a:solidFill>
+              <a:effectLst/>
+              <a:uLnTx/>
+              <a:uFillTx/>
+              <a:latin typeface="+mn-lt"/>
+              <a:ea typeface="+mn-ea"/>
+              <a:cs typeface="+mn-cs"/>
+            </a:endParaRPr>
+          </a:p>
+          <a:p>
+            <a:pPr marL="342900" marR="0" lvl="0" indent="-342900" algn="l" defTabSz="914400" rtl="0" eaLnBrk="1" fontAlgn="auto" latinLnBrk="0" hangingPunct="1">
+              <a:lnSpc>
+                <a:spcPct val="100000"/>
+              </a:lnSpc>
+              <a:spcBef>
+                <a:spcPct val="20000"/>
+              </a:spcBef>
+              <a:spcAft>
+                <a:spcPts val="0"/>
+              </a:spcAft>
+              <a:buClrTx/>
+              <a:buSzTx/>
+              <a:buFont typeface="Arial" pitchFamily="34" charset="0"/>
+              <a:buNone/>
+              <a:tabLst/>
+              <a:defRPr/>
+            </a:pPr>
+            <a:r>
+              <a:rPr kumimoji="0" lang="en-US" sz="3200" b="0" i="0" u="none" strike="noStrike" kern="1200" cap="none" spc="0" normalizeH="0" baseline="0" noProof="0" smtClean="0">
+                <a:ln>
+                  <a:noFill/>
+                </a:ln>
+                <a:solidFill>
+                  <a:schemeClr val="tx1"/>
+                </a:solidFill>
+                <a:effectLst/>
+                <a:uLnTx/>
+                <a:uFillTx/>
+                <a:latin typeface="+mn-lt"/>
+                <a:ea typeface="+mn-ea"/>
+                <a:cs typeface="+mn-cs"/>
+              </a:rPr>
+              <a:t>Serve DBs:</a:t>
+            </a:r>
+          </a:p>
+          <a:p>
+            <a:pPr marL="342900" marR="0" lvl="0" indent="-342900" algn="l" defTabSz="914400" rtl="0" eaLnBrk="1" fontAlgn="auto" latinLnBrk="0" hangingPunct="1">
+              <a:lnSpc>
+                <a:spcPct val="100000"/>
+              </a:lnSpc>
+              <a:spcBef>
+                <a:spcPct val="20000"/>
+              </a:spcBef>
+              <a:spcAft>
+                <a:spcPts val="0"/>
+              </a:spcAft>
+              <a:buClrTx/>
+              <a:buSzTx/>
+              <a:buFont typeface="Arial" pitchFamily="34" charset="0"/>
+              <a:buChar char="•"/>
+              <a:tabLst/>
+              <a:defRPr/>
+            </a:pPr>
+            <a:r>
+              <a:rPr kumimoji="0" lang="en-US" sz="3200" b="0" i="0" u="none" strike="noStrike" kern="1200" cap="none" spc="0" normalizeH="0" baseline="0" noProof="0" smtClean="0">
+                <a:ln>
+                  <a:noFill/>
+                </a:ln>
+                <a:solidFill>
+                  <a:schemeClr val="tx1"/>
+                </a:solidFill>
+                <a:effectLst/>
+                <a:uLnTx/>
+                <a:uFillTx/>
+                <a:latin typeface="+mn-lt"/>
+                <a:ea typeface="+mn-ea"/>
+                <a:cs typeface="+mn-cs"/>
+              </a:rPr>
+              <a:t>District Boundaries</a:t>
+            </a:r>
+          </a:p>
+          <a:p>
+            <a:pPr marL="342900" marR="0" lvl="0" indent="-342900" algn="l" defTabSz="914400" rtl="0" eaLnBrk="1" fontAlgn="auto" latinLnBrk="0" hangingPunct="1">
+              <a:lnSpc>
+                <a:spcPct val="100000"/>
+              </a:lnSpc>
+              <a:spcBef>
+                <a:spcPct val="20000"/>
+              </a:spcBef>
+              <a:spcAft>
+                <a:spcPts val="0"/>
+              </a:spcAft>
+              <a:buClrTx/>
+              <a:buSzTx/>
+              <a:buFont typeface="Arial" pitchFamily="34" charset="0"/>
+              <a:buChar char="•"/>
+              <a:tabLst/>
+              <a:defRPr/>
+            </a:pPr>
+            <a:r>
+              <a:rPr kumimoji="0" lang="en-US" sz="3200" b="0" i="0" u="none" strike="noStrike" kern="1200" cap="none" spc="0" normalizeH="0" baseline="0" noProof="0" smtClean="0">
+                <a:ln>
+                  <a:noFill/>
+                </a:ln>
+                <a:solidFill>
+                  <a:schemeClr val="tx1"/>
+                </a:solidFill>
+                <a:effectLst/>
+                <a:uLnTx/>
+                <a:uFillTx/>
+                <a:latin typeface="+mn-lt"/>
+                <a:ea typeface="+mn-ea"/>
+                <a:cs typeface="+mn-cs"/>
+              </a:rPr>
+              <a:t>Karn Villages</a:t>
+            </a:r>
+            <a:endParaRPr kumimoji="0" lang="en-US" sz="3200" b="0" i="0" u="none" strike="noStrike" kern="1200" cap="none" spc="0" normalizeH="0" baseline="0" noProof="0" dirty="0">
+              <a:ln>
+                <a:noFill/>
+              </a:ln>
+              <a:solidFill>
+                <a:schemeClr val="tx1"/>
+              </a:solidFill>
+              <a:effectLst/>
+              <a:uLnTx/>
+              <a:uFillTx/>
+              <a:latin typeface="+mn-lt"/>
+              <a:ea typeface="+mn-ea"/>
+              <a:cs typeface="+mn-cs"/>
+            </a:endParaRPr>
+          </a:p>
+        </p:txBody>
+      </p:sp>
+      <p:cxnSp>
+        <p:nvCxnSpPr>
+          <p:cNvPr id="8" name="Straight Arrow Connector 7"/>
+          <p:cNvCxnSpPr/>
+          <p:nvPr/>
+        </p:nvCxnSpPr>
+        <p:spPr>
+          <a:xfrm>
+            <a:off x="5257800" y="2895600"/>
+            <a:ext cx="914400" cy="1588"/>
+          </a:xfrm>
+          <a:prstGeom prst="straightConnector1">
+            <a:avLst/>
+          </a:prstGeom>
+          <a:ln>
+            <a:tailEnd type="arrow"/>
+          </a:ln>
+        </p:spPr>
+        <p:style>
+          <a:lnRef idx="1">
+            <a:schemeClr val="accent1"/>
+          </a:lnRef>
+          <a:fillRef idx="0">
+            <a:schemeClr val="accent1"/>
+          </a:fillRef>
+          <a:effectRef idx="0">
+            <a:schemeClr val="accent1"/>
+          </a:effectRef>
+          <a:fontRef idx="minor">
+            <a:schemeClr val="tx1"/>
+          </a:fontRef>
+        </p:style>
+      </p:cxnSp>
+      <p:cxnSp>
+        <p:nvCxnSpPr>
+          <p:cNvPr id="10" name="Straight Arrow Connector 9"/>
+          <p:cNvCxnSpPr>
+            <a:endCxn id="5" idx="1"/>
+          </p:cNvCxnSpPr>
+          <p:nvPr/>
+        </p:nvCxnSpPr>
+        <p:spPr>
+          <a:xfrm>
+            <a:off x="5181600" y="3200400"/>
+            <a:ext cx="990600" cy="396082"/>
+          </a:xfrm>
+          <a:prstGeom prst="straightConnector1">
+            <a:avLst/>
+          </a:prstGeom>
+          <a:ln>
+            <a:tailEnd type="arrow"/>
+          </a:ln>
+        </p:spPr>
+        <p:style>
+          <a:lnRef idx="1">
+            <a:schemeClr val="accent1"/>
+          </a:lnRef>
+          <a:fillRef idx="0">
+            <a:schemeClr val="accent1"/>
+          </a:fillRef>
+          <a:effectRef idx="0">
+            <a:schemeClr val="accent1"/>
+          </a:effectRef>
+          <a:fontRef idx="minor">
+            <a:schemeClr val="tx1"/>
+          </a:fontRef>
+        </p:style>
+      </p:cxnSp>
+      <p:cxnSp>
+        <p:nvCxnSpPr>
+          <p:cNvPr id="12" name="Straight Arrow Connector 11"/>
+          <p:cNvCxnSpPr/>
+          <p:nvPr/>
+        </p:nvCxnSpPr>
+        <p:spPr>
+          <a:xfrm flipV="1">
+            <a:off x="4648200" y="2971800"/>
+            <a:ext cx="1524000" cy="457200"/>
+          </a:xfrm>
+          <a:prstGeom prst="straightConnector1">
+            <a:avLst/>
+          </a:prstGeom>
+          <a:ln>
+            <a:tailEnd type="arrow"/>
+          </a:ln>
+        </p:spPr>
+        <p:style>
+          <a:lnRef idx="1">
+            <a:schemeClr val="accent1"/>
+          </a:lnRef>
+          <a:fillRef idx="0">
+            <a:schemeClr val="accent1"/>
+          </a:fillRef>
+          <a:effectRef idx="0">
+            <a:schemeClr val="accent1"/>
+          </a:effectRef>
+          <a:fontRef idx="minor">
+            <a:schemeClr val="tx1"/>
+          </a:fontRef>
+        </p:style>
+      </p:cxnSp>
+      <p:cxnSp>
+        <p:nvCxnSpPr>
+          <p:cNvPr id="14" name="Straight Arrow Connector 13"/>
+          <p:cNvCxnSpPr/>
+          <p:nvPr/>
+        </p:nvCxnSpPr>
+        <p:spPr>
+          <a:xfrm flipV="1">
+            <a:off x="4800600" y="3276600"/>
+            <a:ext cx="1371600" cy="381000"/>
+          </a:xfrm>
+          <a:prstGeom prst="straightConnector1">
+            <a:avLst/>
+          </a:prstGeom>
+          <a:ln>
+            <a:tailEnd type="arrow"/>
+          </a:ln>
+        </p:spPr>
+        <p:style>
+          <a:lnRef idx="1">
+            <a:schemeClr val="accent1"/>
+          </a:lnRef>
+          <a:fillRef idx="0">
+            <a:schemeClr val="accent1"/>
+          </a:fillRef>
+          <a:effectRef idx="0">
+            <a:schemeClr val="accent1"/>
+          </a:effectRef>
+          <a:fontRef idx="minor">
+            <a:schemeClr val="tx1"/>
+          </a:fontRef>
+        </p:style>
+      </p:cxnSp>
+      <p:cxnSp>
+        <p:nvCxnSpPr>
+          <p:cNvPr id="16" name="Straight Arrow Connector 15"/>
+          <p:cNvCxnSpPr/>
+          <p:nvPr/>
+        </p:nvCxnSpPr>
+        <p:spPr>
+          <a:xfrm flipV="1">
+            <a:off x="5029200" y="2971800"/>
+            <a:ext cx="1143000" cy="990600"/>
+          </a:xfrm>
+          <a:prstGeom prst="straightConnector1">
+            <a:avLst/>
+          </a:prstGeom>
+          <a:ln>
+            <a:tailEnd type="arrow"/>
+          </a:ln>
+        </p:spPr>
+        <p:style>
+          <a:lnRef idx="1">
+            <a:schemeClr val="accent1"/>
+          </a:lnRef>
+          <a:fillRef idx="0">
+            <a:schemeClr val="accent1"/>
+          </a:fillRef>
+          <a:effectRef idx="0">
+            <a:schemeClr val="accent1"/>
+          </a:effectRef>
+          <a:fontRef idx="minor">
+            <a:schemeClr val="tx1"/>
+          </a:fontRef>
+        </p:style>
+      </p:cxnSp>
+      <p:cxnSp>
+        <p:nvCxnSpPr>
+          <p:cNvPr id="18" name="Straight Arrow Connector 17"/>
+          <p:cNvCxnSpPr/>
+          <p:nvPr/>
+        </p:nvCxnSpPr>
+        <p:spPr>
+          <a:xfrm flipV="1">
+            <a:off x="5105400" y="3733800"/>
+            <a:ext cx="1066800" cy="304800"/>
+          </a:xfrm>
+          <a:prstGeom prst="straightConnector1">
+            <a:avLst/>
+          </a:prstGeom>
+          <a:ln>
+            <a:tailEnd type="arrow"/>
+          </a:ln>
+        </p:spPr>
+        <p:style>
+          <a:lnRef idx="1">
+            <a:schemeClr val="accent1"/>
+          </a:lnRef>
+          <a:fillRef idx="0">
+            <a:schemeClr val="accent1"/>
+          </a:fillRef>
+          <a:effectRef idx="0">
+            <a:schemeClr val="accent1"/>
+          </a:effectRef>
+          <a:fontRef idx="minor">
+            <a:schemeClr val="tx1"/>
+          </a:fontRef>
+        </p:style>
+      </p:cxnSp>
+      <p:cxnSp>
+        <p:nvCxnSpPr>
+          <p:cNvPr id="20" name="Straight Arrow Connector 19"/>
+          <p:cNvCxnSpPr/>
+          <p:nvPr/>
+        </p:nvCxnSpPr>
+        <p:spPr>
+          <a:xfrm rot="5400000" flipH="1" flipV="1">
+            <a:off x="5181600" y="3276600"/>
+            <a:ext cx="1295400" cy="685800"/>
+          </a:xfrm>
+          <a:prstGeom prst="straightConnector1">
+            <a:avLst/>
+          </a:prstGeom>
+          <a:ln>
+            <a:tailEnd type="arrow"/>
+          </a:ln>
+        </p:spPr>
+        <p:style>
+          <a:lnRef idx="1">
+            <a:schemeClr val="accent1"/>
+          </a:lnRef>
+          <a:fillRef idx="0">
+            <a:schemeClr val="accent1"/>
+          </a:fillRef>
+          <a:effectRef idx="0">
+            <a:schemeClr val="accent1"/>
+          </a:effectRef>
+          <a:fontRef idx="minor">
+            <a:schemeClr val="tx1"/>
+          </a:fontRef>
+        </p:style>
+      </p:cxnSp>
+      <p:cxnSp>
+        <p:nvCxnSpPr>
+          <p:cNvPr id="22" name="Straight Arrow Connector 21"/>
+          <p:cNvCxnSpPr/>
+          <p:nvPr/>
+        </p:nvCxnSpPr>
+        <p:spPr>
+          <a:xfrm rot="5400000" flipH="1" flipV="1">
+            <a:off x="5410200" y="3429000"/>
+            <a:ext cx="914400" cy="762000"/>
+          </a:xfrm>
+          <a:prstGeom prst="straightConnector1">
+            <a:avLst/>
+          </a:prstGeom>
+          <a:ln>
+            <a:tailEnd type="arrow"/>
+          </a:ln>
+        </p:spPr>
+        <p:style>
+          <a:lnRef idx="1">
+            <a:schemeClr val="accent1"/>
+          </a:lnRef>
+          <a:fillRef idx="0">
+            <a:schemeClr val="accent1"/>
+          </a:fillRef>
+          <a:effectRef idx="0">
+            <a:schemeClr val="accent1"/>
+          </a:effectRef>
+          <a:fontRef idx="minor">
+            <a:schemeClr val="tx1"/>
+          </a:fontRef>
+        </p:style>
+      </p:cxnSp>
+      <p:cxnSp>
+        <p:nvCxnSpPr>
+          <p:cNvPr id="24" name="Straight Arrow Connector 23"/>
+          <p:cNvCxnSpPr/>
+          <p:nvPr/>
+        </p:nvCxnSpPr>
+        <p:spPr>
+          <a:xfrm flipV="1">
+            <a:off x="5562600" y="3733800"/>
+            <a:ext cx="762000" cy="533400"/>
+          </a:xfrm>
+          <a:prstGeom prst="straightConnector1">
+            <a:avLst/>
+          </a:prstGeom>
+          <a:ln>
+            <a:tailEnd type="arrow"/>
+          </a:ln>
+        </p:spPr>
+        <p:style>
+          <a:lnRef idx="1">
+            <a:schemeClr val="accent1"/>
+          </a:lnRef>
+          <a:fillRef idx="0">
+            <a:schemeClr val="accent1"/>
+          </a:fillRef>
+          <a:effectRef idx="0">
+            <a:schemeClr val="accent1"/>
+          </a:effectRef>
+          <a:fontRef idx="minor">
+            <a:schemeClr val="tx1"/>
+          </a:fontRef>
+        </p:style>
+      </p:cxnSp>
+      <p:cxnSp>
+        <p:nvCxnSpPr>
+          <p:cNvPr id="26" name="Straight Arrow Connector 25"/>
+          <p:cNvCxnSpPr/>
+          <p:nvPr/>
+        </p:nvCxnSpPr>
+        <p:spPr>
+          <a:xfrm flipV="1">
+            <a:off x="5562600" y="4191000"/>
+            <a:ext cx="762000" cy="76200"/>
+          </a:xfrm>
+          <a:prstGeom prst="straightConnector1">
+            <a:avLst/>
+          </a:prstGeom>
+          <a:ln>
+            <a:tailEnd type="arrow"/>
+          </a:ln>
+        </p:spPr>
+        <p:style>
+          <a:lnRef idx="1">
+            <a:schemeClr val="accent1"/>
+          </a:lnRef>
+          <a:fillRef idx="0">
+            <a:schemeClr val="accent1"/>
+          </a:fillRef>
+          <a:effectRef idx="0">
+            <a:schemeClr val="accent1"/>
+          </a:effectRef>
+          <a:fontRef idx="minor">
+            <a:schemeClr val="tx1"/>
+          </a:fontRef>
+        </p:style>
+      </p:cxnSp>
+      <p:cxnSp>
+        <p:nvCxnSpPr>
+          <p:cNvPr id="28" name="Straight Arrow Connector 27"/>
+          <p:cNvCxnSpPr/>
+          <p:nvPr/>
+        </p:nvCxnSpPr>
+        <p:spPr>
+          <a:xfrm>
+            <a:off x="1905000" y="2819400"/>
+            <a:ext cx="1143000" cy="1588"/>
+          </a:xfrm>
+          <a:prstGeom prst="straightConnector1">
+            <a:avLst/>
+          </a:prstGeom>
+          <a:ln>
+            <a:tailEnd type="arrow"/>
+          </a:ln>
+        </p:spPr>
+        <p:style>
+          <a:lnRef idx="1">
+            <a:schemeClr val="accent1"/>
+          </a:lnRef>
+          <a:fillRef idx="0">
+            <a:schemeClr val="accent1"/>
+          </a:fillRef>
+          <a:effectRef idx="0">
+            <a:schemeClr val="accent1"/>
+          </a:effectRef>
+          <a:fontRef idx="minor">
+            <a:schemeClr val="tx1"/>
+          </a:fontRef>
+        </p:style>
+      </p:cxnSp>
+      <p:cxnSp>
+        <p:nvCxnSpPr>
+          <p:cNvPr id="30" name="Straight Arrow Connector 29"/>
+          <p:cNvCxnSpPr/>
+          <p:nvPr/>
+        </p:nvCxnSpPr>
+        <p:spPr>
+          <a:xfrm>
+            <a:off x="2286000" y="3048000"/>
+            <a:ext cx="914400" cy="76200"/>
+          </a:xfrm>
+          <a:prstGeom prst="straightConnector1">
+            <a:avLst/>
+          </a:prstGeom>
+          <a:ln>
+            <a:tailEnd type="arrow"/>
+          </a:ln>
+        </p:spPr>
+        <p:style>
+          <a:lnRef idx="1">
+            <a:schemeClr val="accent1"/>
+          </a:lnRef>
+          <a:fillRef idx="0">
+            <a:schemeClr val="accent1"/>
+          </a:fillRef>
+          <a:effectRef idx="0">
+            <a:schemeClr val="accent1"/>
+          </a:effectRef>
+          <a:fontRef idx="minor">
+            <a:schemeClr val="tx1"/>
+          </a:fontRef>
+        </p:style>
+      </p:cxnSp>
+      <p:cxnSp>
+        <p:nvCxnSpPr>
+          <p:cNvPr id="32" name="Straight Arrow Connector 31"/>
+          <p:cNvCxnSpPr>
+            <a:endCxn id="4" idx="1"/>
+          </p:cNvCxnSpPr>
+          <p:nvPr/>
+        </p:nvCxnSpPr>
+        <p:spPr>
+          <a:xfrm>
+            <a:off x="1600200" y="3276600"/>
+            <a:ext cx="1371600" cy="381000"/>
+          </a:xfrm>
+          <a:prstGeom prst="straightConnector1">
+            <a:avLst/>
+          </a:prstGeom>
+          <a:ln>
+            <a:tailEnd type="arrow"/>
+          </a:ln>
+        </p:spPr>
+        <p:style>
+          <a:lnRef idx="1">
+            <a:schemeClr val="accent1"/>
+          </a:lnRef>
+          <a:fillRef idx="0">
+            <a:schemeClr val="accent1"/>
+          </a:fillRef>
+          <a:effectRef idx="0">
+            <a:schemeClr val="accent1"/>
+          </a:effectRef>
+          <a:fontRef idx="minor">
+            <a:schemeClr val="tx1"/>
+          </a:fontRef>
+        </p:style>
+      </p:cxnSp>
+      <p:cxnSp>
+        <p:nvCxnSpPr>
+          <p:cNvPr id="36" name="Straight Arrow Connector 35"/>
+          <p:cNvCxnSpPr/>
+          <p:nvPr/>
+        </p:nvCxnSpPr>
+        <p:spPr>
+          <a:xfrm>
+            <a:off x="2057400" y="3429000"/>
+            <a:ext cx="990600" cy="1588"/>
+          </a:xfrm>
+          <a:prstGeom prst="straightConnector1">
+            <a:avLst/>
+          </a:prstGeom>
+          <a:ln>
+            <a:tailEnd type="arrow"/>
+          </a:ln>
+        </p:spPr>
+        <p:style>
+          <a:lnRef idx="1">
+            <a:schemeClr val="accent1"/>
+          </a:lnRef>
+          <a:fillRef idx="0">
+            <a:schemeClr val="accent1"/>
+          </a:fillRef>
+          <a:effectRef idx="0">
+            <a:schemeClr val="accent1"/>
+          </a:effectRef>
+          <a:fontRef idx="minor">
+            <a:schemeClr val="tx1"/>
+          </a:fontRef>
+        </p:style>
+      </p:cxnSp>
+      <p:cxnSp>
+        <p:nvCxnSpPr>
+          <p:cNvPr id="38" name="Straight Arrow Connector 37"/>
+          <p:cNvCxnSpPr>
+            <a:endCxn id="4" idx="1"/>
+          </p:cNvCxnSpPr>
+          <p:nvPr/>
+        </p:nvCxnSpPr>
+        <p:spPr>
+          <a:xfrm>
+            <a:off x="1447800" y="3657600"/>
+            <a:ext cx="1524000" cy="1588"/>
+          </a:xfrm>
+          <a:prstGeom prst="straightConnector1">
+            <a:avLst/>
+          </a:prstGeom>
+          <a:ln>
+            <a:tailEnd type="arrow"/>
+          </a:ln>
+        </p:spPr>
+        <p:style>
+          <a:lnRef idx="1">
+            <a:schemeClr val="accent1"/>
+          </a:lnRef>
+          <a:fillRef idx="0">
+            <a:schemeClr val="accent1"/>
+          </a:fillRef>
+          <a:effectRef idx="0">
+            <a:schemeClr val="accent1"/>
+          </a:effectRef>
+          <a:fontRef idx="minor">
+            <a:schemeClr val="tx1"/>
+          </a:fontRef>
+        </p:style>
+      </p:cxnSp>
+      <p:cxnSp>
+        <p:nvCxnSpPr>
+          <p:cNvPr id="52" name="Straight Arrow Connector 51"/>
+          <p:cNvCxnSpPr/>
+          <p:nvPr/>
+        </p:nvCxnSpPr>
+        <p:spPr>
+          <a:xfrm>
+            <a:off x="1600200" y="3810000"/>
+            <a:ext cx="1447800" cy="381000"/>
+          </a:xfrm>
+          <a:prstGeom prst="straightConnector1">
+            <a:avLst/>
+          </a:prstGeom>
+          <a:ln>
+            <a:tailEnd type="arrow"/>
+          </a:ln>
+        </p:spPr>
+        <p:style>
+          <a:lnRef idx="1">
+            <a:schemeClr val="accent1"/>
+          </a:lnRef>
+          <a:fillRef idx="0">
+            <a:schemeClr val="accent1"/>
+          </a:fillRef>
+          <a:effectRef idx="0">
+            <a:schemeClr val="accent1"/>
+          </a:effectRef>
+          <a:fontRef idx="minor">
+            <a:schemeClr val="tx1"/>
+          </a:fontRef>
+        </p:style>
+      </p:cxnSp>
+      <p:cxnSp>
+        <p:nvCxnSpPr>
+          <p:cNvPr id="54" name="Straight Arrow Connector 53"/>
+          <p:cNvCxnSpPr/>
+          <p:nvPr/>
+        </p:nvCxnSpPr>
+        <p:spPr>
+          <a:xfrm flipV="1">
+            <a:off x="2209800" y="3962400"/>
+            <a:ext cx="914400" cy="457200"/>
+          </a:xfrm>
+          <a:prstGeom prst="straightConnector1">
+            <a:avLst/>
+          </a:prstGeom>
+          <a:ln>
+            <a:tailEnd type="arrow"/>
+          </a:ln>
+        </p:spPr>
+        <p:style>
+          <a:lnRef idx="1">
+            <a:schemeClr val="accent1"/>
+          </a:lnRef>
+          <a:fillRef idx="0">
+            <a:schemeClr val="accent1"/>
+          </a:fillRef>
+          <a:effectRef idx="0">
+            <a:schemeClr val="accent1"/>
+          </a:effectRef>
+          <a:fontRef idx="minor">
+            <a:schemeClr val="tx1"/>
+          </a:fontRef>
+        </p:style>
+      </p:cxnSp>
+      <p:cxnSp>
+        <p:nvCxnSpPr>
+          <p:cNvPr id="56" name="Straight Arrow Connector 55"/>
+          <p:cNvCxnSpPr/>
+          <p:nvPr/>
+        </p:nvCxnSpPr>
+        <p:spPr>
+          <a:xfrm flipV="1">
+            <a:off x="2133600" y="3962400"/>
+            <a:ext cx="990600" cy="685800"/>
+          </a:xfrm>
+          <a:prstGeom prst="straightConnector1">
+            <a:avLst/>
+          </a:prstGeom>
+          <a:ln>
+            <a:tailEnd type="arrow"/>
+          </a:ln>
+        </p:spPr>
+        <p:style>
+          <a:lnRef idx="1">
+            <a:schemeClr val="accent1"/>
+          </a:lnRef>
+          <a:fillRef idx="0">
+            <a:schemeClr val="accent1"/>
+          </a:fillRef>
+          <a:effectRef idx="0">
+            <a:schemeClr val="accent1"/>
+          </a:effectRef>
+          <a:fontRef idx="minor">
+            <a:schemeClr val="tx1"/>
+          </a:fontRef>
+        </p:style>
+      </p:cxnSp>
+      <p:cxnSp>
+        <p:nvCxnSpPr>
+          <p:cNvPr id="58" name="Straight Arrow Connector 57"/>
+          <p:cNvCxnSpPr/>
+          <p:nvPr/>
+        </p:nvCxnSpPr>
+        <p:spPr>
+          <a:xfrm>
+            <a:off x="1905000" y="2819400"/>
+            <a:ext cx="1219200" cy="1143000"/>
+          </a:xfrm>
+          <a:prstGeom prst="straightConnector1">
+            <a:avLst/>
+          </a:prstGeom>
+          <a:ln>
+            <a:tailEnd type="arrow"/>
+          </a:ln>
+        </p:spPr>
+        <p:style>
+          <a:lnRef idx="1">
+            <a:schemeClr val="accent1"/>
+          </a:lnRef>
+          <a:fillRef idx="0">
+            <a:schemeClr val="accent1"/>
+          </a:fillRef>
+          <a:effectRef idx="0">
+            <a:schemeClr val="accent1"/>
+          </a:effectRef>
+          <a:fontRef idx="minor">
+            <a:schemeClr val="tx1"/>
+          </a:fontRef>
+        </p:style>
+      </p:cxnSp>
+      <p:cxnSp>
+        <p:nvCxnSpPr>
+          <p:cNvPr id="60" name="Straight Arrow Connector 59"/>
+          <p:cNvCxnSpPr/>
+          <p:nvPr/>
+        </p:nvCxnSpPr>
+        <p:spPr>
+          <a:xfrm>
+            <a:off x="1447800" y="3657600"/>
+            <a:ext cx="1600200" cy="304800"/>
+          </a:xfrm>
+          <a:prstGeom prst="straightConnector1">
+            <a:avLst/>
+          </a:prstGeom>
+          <a:ln>
+            <a:tailEnd type="arrow"/>
+          </a:ln>
+        </p:spPr>
+        <p:style>
+          <a:lnRef idx="1">
+            <a:schemeClr val="accent1"/>
+          </a:lnRef>
+          <a:fillRef idx="0">
+            <a:schemeClr val="accent1"/>
+          </a:fillRef>
+          <a:effectRef idx="0">
+            <a:schemeClr val="accent1"/>
+          </a:effectRef>
+          <a:fontRef idx="minor">
+            <a:schemeClr val="tx1"/>
+          </a:fontRef>
+        </p:style>
+      </p:cxnSp>
     </p:spTree>
   </p:cSld>
   <p:clrMapOvr>

--- a/Outline.pptx
+++ b/Outline.pptx
@@ -293,7 +293,7 @@
             <a:fld id="{1D8BD707-D9CF-40AE-B4C6-C98DA3205C09}" type="datetimeFigureOut">
               <a:rPr lang="en-US" smtClean="0"/>
               <a:pPr/>
-              <a:t>7/9/2021</a:t>
+              <a:t>7/13/2021</a:t>
             </a:fld>
             <a:endParaRPr lang="en-US"/>
           </a:p>
@@ -460,7 +460,7 @@
             <a:fld id="{1D8BD707-D9CF-40AE-B4C6-C98DA3205C09}" type="datetimeFigureOut">
               <a:rPr lang="en-US" smtClean="0"/>
               <a:pPr/>
-              <a:t>7/9/2021</a:t>
+              <a:t>7/13/2021</a:t>
             </a:fld>
             <a:endParaRPr lang="en-US"/>
           </a:p>
@@ -637,7 +637,7 @@
             <a:fld id="{1D8BD707-D9CF-40AE-B4C6-C98DA3205C09}" type="datetimeFigureOut">
               <a:rPr lang="en-US" smtClean="0"/>
               <a:pPr/>
-              <a:t>7/9/2021</a:t>
+              <a:t>7/13/2021</a:t>
             </a:fld>
             <a:endParaRPr lang="en-US"/>
           </a:p>
@@ -804,7 +804,7 @@
             <a:fld id="{1D8BD707-D9CF-40AE-B4C6-C98DA3205C09}" type="datetimeFigureOut">
               <a:rPr lang="en-US" smtClean="0"/>
               <a:pPr/>
-              <a:t>7/9/2021</a:t>
+              <a:t>7/13/2021</a:t>
             </a:fld>
             <a:endParaRPr lang="en-US"/>
           </a:p>
@@ -1047,7 +1047,7 @@
             <a:fld id="{1D8BD707-D9CF-40AE-B4C6-C98DA3205C09}" type="datetimeFigureOut">
               <a:rPr lang="en-US" smtClean="0"/>
               <a:pPr/>
-              <a:t>7/9/2021</a:t>
+              <a:t>7/13/2021</a:t>
             </a:fld>
             <a:endParaRPr lang="en-US"/>
           </a:p>
@@ -1332,7 +1332,7 @@
             <a:fld id="{1D8BD707-D9CF-40AE-B4C6-C98DA3205C09}" type="datetimeFigureOut">
               <a:rPr lang="en-US" smtClean="0"/>
               <a:pPr/>
-              <a:t>7/9/2021</a:t>
+              <a:t>7/13/2021</a:t>
             </a:fld>
             <a:endParaRPr lang="en-US"/>
           </a:p>
@@ -1751,7 +1751,7 @@
             <a:fld id="{1D8BD707-D9CF-40AE-B4C6-C98DA3205C09}" type="datetimeFigureOut">
               <a:rPr lang="en-US" smtClean="0"/>
               <a:pPr/>
-              <a:t>7/9/2021</a:t>
+              <a:t>7/13/2021</a:t>
             </a:fld>
             <a:endParaRPr lang="en-US"/>
           </a:p>
@@ -1866,7 +1866,7 @@
             <a:fld id="{1D8BD707-D9CF-40AE-B4C6-C98DA3205C09}" type="datetimeFigureOut">
               <a:rPr lang="en-US" smtClean="0"/>
               <a:pPr/>
-              <a:t>7/9/2021</a:t>
+              <a:t>7/13/2021</a:t>
             </a:fld>
             <a:endParaRPr lang="en-US"/>
           </a:p>
@@ -1958,7 +1958,7 @@
             <a:fld id="{1D8BD707-D9CF-40AE-B4C6-C98DA3205C09}" type="datetimeFigureOut">
               <a:rPr lang="en-US" smtClean="0"/>
               <a:pPr/>
-              <a:t>7/9/2021</a:t>
+              <a:t>7/13/2021</a:t>
             </a:fld>
             <a:endParaRPr lang="en-US"/>
           </a:p>
@@ -2232,7 +2232,7 @@
             <a:fld id="{1D8BD707-D9CF-40AE-B4C6-C98DA3205C09}" type="datetimeFigureOut">
               <a:rPr lang="en-US" smtClean="0"/>
               <a:pPr/>
-              <a:t>7/9/2021</a:t>
+              <a:t>7/13/2021</a:t>
             </a:fld>
             <a:endParaRPr lang="en-US"/>
           </a:p>
@@ -2482,7 +2482,7 @@
             <a:fld id="{1D8BD707-D9CF-40AE-B4C6-C98DA3205C09}" type="datetimeFigureOut">
               <a:rPr lang="en-US" smtClean="0"/>
               <a:pPr/>
-              <a:t>7/9/2021</a:t>
+              <a:t>7/13/2021</a:t>
             </a:fld>
             <a:endParaRPr lang="en-US"/>
           </a:p>
@@ -2692,7 +2692,7 @@
             <a:fld id="{1D8BD707-D9CF-40AE-B4C6-C98DA3205C09}" type="datetimeFigureOut">
               <a:rPr lang="en-US" smtClean="0"/>
               <a:pPr/>
-              <a:t>7/9/2021</a:t>
+              <a:t>7/13/2021</a:t>
             </a:fld>
             <a:endParaRPr lang="en-US"/>
           </a:p>
@@ -3170,41 +3170,45 @@
           <a:p>
             <a:r>
               <a:rPr lang="en-US" dirty="0" smtClean="0"/>
-              <a:t>Abadi Limits </a:t>
+              <a:t>Abadi Limits Server</a:t>
+            </a:r>
+          </a:p>
+          <a:p>
+            <a:r>
+              <a:rPr lang="en-US" dirty="0" smtClean="0"/>
+              <a:t>Attendance Server</a:t>
+            </a:r>
+          </a:p>
+          <a:p>
+            <a:r>
+              <a:rPr lang="en-US" dirty="0" smtClean="0"/>
+              <a:t>Files Server</a:t>
+            </a:r>
+          </a:p>
+          <a:p>
+            <a:r>
+              <a:rPr lang="en-US" dirty="0" smtClean="0"/>
+              <a:t>Flights Server</a:t>
+            </a:r>
+          </a:p>
+          <a:p>
+            <a:r>
+              <a:rPr lang="en-US" dirty="0" smtClean="0"/>
+              <a:t>GeoJSON Server</a:t>
+            </a:r>
+          </a:p>
+          <a:p>
+            <a:r>
+              <a:rPr lang="en-US" dirty="0" smtClean="0"/>
+              <a:t>Users / </a:t>
+            </a:r>
+            <a:r>
+              <a:rPr lang="en-US" dirty="0" smtClean="0"/>
+              <a:t>Data </a:t>
             </a:r>
             <a:r>
               <a:rPr lang="en-US" dirty="0" smtClean="0"/>
               <a:t>Server</a:t>
-            </a:r>
-          </a:p>
-          <a:p>
-            <a:r>
-              <a:rPr lang="en-US" dirty="0" smtClean="0"/>
-              <a:t>Attendance Server</a:t>
-            </a:r>
-          </a:p>
-          <a:p>
-            <a:r>
-              <a:rPr lang="en-US" dirty="0" smtClean="0"/>
-              <a:t>Files Server</a:t>
-            </a:r>
-          </a:p>
-          <a:p>
-            <a:r>
-              <a:rPr lang="en-US" dirty="0" smtClean="0"/>
-              <a:t>Flights Server</a:t>
-            </a:r>
-          </a:p>
-          <a:p>
-            <a:r>
-              <a:rPr lang="en-US" dirty="0" smtClean="0"/>
-              <a:t>GeoJSON Server</a:t>
-            </a:r>
-          </a:p>
-          <a:p>
-            <a:r>
-              <a:rPr lang="en-US" dirty="0" smtClean="0"/>
-              <a:t>Users / Drones Server</a:t>
             </a:r>
             <a:endParaRPr lang="en-US" dirty="0"/>
           </a:p>
@@ -3271,7 +3275,7 @@
         <p:spPr/>
         <p:txBody>
           <a:bodyPr>
-            <a:normAutofit fontScale="77500" lnSpcReduction="20000"/>
+            <a:normAutofit fontScale="70000" lnSpcReduction="20000"/>
           </a:bodyPr>
           <a:lstStyle/>
           <a:p>
@@ -3347,7 +3351,17 @@
             </a:r>
             <a:r>
               <a:rPr lang="en-US" dirty="0" smtClean="0"/>
-              <a:t> Villages</a:t>
+              <a:t> </a:t>
+            </a:r>
+            <a:r>
+              <a:rPr lang="en-US" dirty="0" smtClean="0"/>
+              <a:t>Villages</a:t>
+            </a:r>
+          </a:p>
+          <a:p>
+            <a:r>
+              <a:rPr lang="en-US" dirty="0" smtClean="0"/>
+              <a:t>Jurisdictions</a:t>
             </a:r>
             <a:endParaRPr lang="en-US" dirty="0"/>
           </a:p>
@@ -3418,28 +3432,14 @@
           <a:p>
             <a:r>
               <a:rPr lang="en-US" dirty="0" smtClean="0"/>
-              <a:t>KGDC Villages </a:t>
-            </a:r>
+              <a:t>KGDC Villages Uploader	- Web App</a:t>
+            </a:r>
+          </a:p>
+          <a:p>
             <a:r>
               <a:rPr lang="en-US" dirty="0" smtClean="0"/>
-              <a:t>Uploader	- Web App</a:t>
-            </a:r>
-            <a:endParaRPr lang="en-US" dirty="0" smtClean="0"/>
-          </a:p>
-          <a:p>
-            <a:r>
-              <a:rPr lang="en-US" dirty="0" smtClean="0"/>
-              <a:t>KGDC Flights </a:t>
-            </a:r>
-            <a:r>
-              <a:rPr lang="en-US" dirty="0" smtClean="0"/>
-              <a:t>Manager	- Web </a:t>
-            </a:r>
-            <a:r>
-              <a:rPr lang="en-US" dirty="0" smtClean="0"/>
-              <a:t>App</a:t>
-            </a:r>
-            <a:endParaRPr lang="en-US" dirty="0" smtClean="0"/>
+              <a:t>KGDC Flights Manager	- Web App</a:t>
+            </a:r>
           </a:p>
           <a:p>
             <a:r>
@@ -3450,7 +3450,15 @@
           <a:p>
             <a:r>
               <a:rPr lang="en-US" dirty="0" smtClean="0"/>
-              <a:t>KGDC Users </a:t>
+              <a:t>KGDC </a:t>
+            </a:r>
+            <a:r>
+              <a:rPr lang="en-US" dirty="0" smtClean="0"/>
+              <a:t>Users </a:t>
+            </a:r>
+            <a:r>
+              <a:rPr lang="en-US" smtClean="0"/>
+              <a:t>/ Data </a:t>
             </a:r>
             <a:r>
               <a:rPr lang="en-US" dirty="0" smtClean="0"/>
@@ -3534,11 +3542,7 @@
           <a:p>
             <a:r>
               <a:rPr lang="en-US" dirty="0" smtClean="0"/>
-              <a:t>Abadi Limits </a:t>
-            </a:r>
-            <a:r>
-              <a:rPr lang="en-US" dirty="0" smtClean="0"/>
-              <a:t>Server</a:t>
+              <a:t>Abadi Limits Server</a:t>
             </a:r>
           </a:p>
           <a:p>
